--- a/week11_python6/week11_python6.pptx
+++ b/week11_python6/week11_python6.pptx
@@ -7799,7 +7799,7 @@
                 <a:latin typeface="Helvetica Light" panose="020B0403020202020204" pitchFamily="34" charset="0"/>
                 <a:cs typeface="Courier New" panose="02070309020205020404" pitchFamily="49" charset="0"/>
               </a:rPr>
-              <a:t>python_6_</a:t>
+              <a:t>python_6_primer</a:t>
             </a:r>
             <a:r>
               <a:rPr lang="en-US" sz="2800">
@@ -7811,7 +7811,7 @@
                 <a:latin typeface="Helvetica Light" panose="020B0403020202020204" pitchFamily="34" charset="0"/>
                 <a:cs typeface="Courier New" panose="02070309020205020404" pitchFamily="49" charset="0"/>
               </a:rPr>
-              <a:t>primer.</a:t>
+              <a:t>.</a:t>
             </a:r>
             <a:r>
               <a:rPr lang="en-US" sz="2800">
@@ -7829,8 +7829,23 @@
                 <a:latin typeface="Helvetica Light" panose="020B0403020202020204" pitchFamily="34" charset="0"/>
                 <a:cs typeface="Courier New" panose="02070309020205020404" pitchFamily="49" charset="0"/>
               </a:rPr>
-              <a:t>ipynbsahale</a:t>
-            </a:r>
+              <a:t>ipynb</a:t>
+            </a:r>
+            <a:endParaRPr lang="en-US" sz="2800" dirty="0">
+              <a:ln>
+                <a:solidFill>
+                  <a:schemeClr val="tx1"/>
+                </a:solidFill>
+              </a:ln>
+              <a:solidFill>
+                <a:schemeClr val="tx1">
+                  <a:lumMod val="50000"/>
+                  <a:lumOff val="50000"/>
+                </a:schemeClr>
+              </a:solidFill>
+              <a:latin typeface="Helvetica Light" panose="020B0403020202020204" pitchFamily="34" charset="0"/>
+              <a:cs typeface="Courier New" panose="02070309020205020404" pitchFamily="49" charset="0"/>
+            </a:endParaRPr>
           </a:p>
           <a:p>
             <a:endParaRPr lang="en-US" sz="2800" dirty="0">
@@ -8525,7 +8540,7 @@
         <p:spPr>
           <a:xfrm>
             <a:off x="451693" y="1444017"/>
-            <a:ext cx="11740307" cy="4832092"/>
+            <a:ext cx="11740307" cy="4401205"/>
           </a:xfrm>
           <a:prstGeom prst="rect">
             <a:avLst/>
@@ -8573,7 +8588,7 @@
               <a:rPr lang="en-US" sz="2800" b="1" dirty="0">
                 <a:latin typeface="Helvetica Light" panose="020B0403020202020204" pitchFamily="34" charset="0"/>
               </a:rPr>
-              <a:t>11/2, 11/4</a:t>
+              <a:t>11/5, 11/7</a:t>
             </a:r>
             <a:r>
               <a:rPr lang="en-US" sz="2800" dirty="0">
@@ -8604,7 +8619,7 @@
               <a:rPr lang="en-US" sz="2800" b="1" dirty="0">
                 <a:latin typeface="Helvetica Light" panose="020B0403020202020204" pitchFamily="34" charset="0"/>
               </a:rPr>
-              <a:t>11/9, 11/11		</a:t>
+              <a:t>11/12, 11/14		</a:t>
             </a:r>
             <a:r>
               <a:rPr lang="en-US" sz="2600" b="1" dirty="0" err="1">
@@ -8653,7 +8668,7 @@
               <a:rPr lang="en-US" sz="2800" b="1" dirty="0">
                 <a:latin typeface="Helvetica Light" panose="020B0403020202020204" pitchFamily="34" charset="0"/>
               </a:rPr>
-              <a:t>11/16, 11/18		</a:t>
+              <a:t>11/19, 11/21		</a:t>
             </a:r>
             <a:r>
               <a:rPr lang="en-US" sz="2800" dirty="0">
@@ -8665,13 +8680,7 @@
               <a:rPr lang="en-US" sz="2800" b="1" dirty="0">
                 <a:latin typeface="Helvetica Light" panose="020B0403020202020204" pitchFamily="34" charset="0"/>
               </a:rPr>
-              <a:t> Pandas, </a:t>
-            </a:r>
-            <a:r>
-              <a:rPr lang="en-US" sz="2800" dirty="0">
-                <a:latin typeface="Helvetica Light" panose="020B0403020202020204" pitchFamily="34" charset="0"/>
-              </a:rPr>
-              <a:t>visiting talk from data 						scientist at Lucid Motors</a:t>
+              <a:t> Pandas</a:t>
             </a:r>
           </a:p>
           <a:p>
@@ -8684,7 +8693,7 @@
               <a:rPr lang="en-US" sz="2800" b="1" dirty="0">
                 <a:latin typeface="Helvetica Light" panose="020B0403020202020204" pitchFamily="34" charset="0"/>
               </a:rPr>
-              <a:t>Week of 11/23			open day, independent project work</a:t>
+              <a:t>Week of 11/26			open day, independent project work</a:t>
             </a:r>
           </a:p>
         </p:txBody>
